--- a/tw.pptx
+++ b/tw.pptx
@@ -266,7 +266,7 @@
           <a:p>
             <a:fld id="{374C3EA6-B953-48DB-9C6F-B17FC4A6EDA7}" type="datetimeFigureOut">
               <a:rPr lang="it-IT" smtClean="0"/>
-              <a:t>03/01/2022</a:t>
+              <a:t>04/01/2022</a:t>
             </a:fld>
             <a:endParaRPr lang="it-IT"/>
           </a:p>
@@ -464,7 +464,7 @@
           <a:p>
             <a:fld id="{374C3EA6-B953-48DB-9C6F-B17FC4A6EDA7}" type="datetimeFigureOut">
               <a:rPr lang="it-IT" smtClean="0"/>
-              <a:t>03/01/2022</a:t>
+              <a:t>04/01/2022</a:t>
             </a:fld>
             <a:endParaRPr lang="it-IT"/>
           </a:p>
@@ -672,7 +672,7 @@
           <a:p>
             <a:fld id="{374C3EA6-B953-48DB-9C6F-B17FC4A6EDA7}" type="datetimeFigureOut">
               <a:rPr lang="it-IT" smtClean="0"/>
-              <a:t>03/01/2022</a:t>
+              <a:t>04/01/2022</a:t>
             </a:fld>
             <a:endParaRPr lang="it-IT"/>
           </a:p>
@@ -870,7 +870,7 @@
           <a:p>
             <a:fld id="{374C3EA6-B953-48DB-9C6F-B17FC4A6EDA7}" type="datetimeFigureOut">
               <a:rPr lang="it-IT" smtClean="0"/>
-              <a:t>03/01/2022</a:t>
+              <a:t>04/01/2022</a:t>
             </a:fld>
             <a:endParaRPr lang="it-IT"/>
           </a:p>
@@ -1145,7 +1145,7 @@
           <a:p>
             <a:fld id="{374C3EA6-B953-48DB-9C6F-B17FC4A6EDA7}" type="datetimeFigureOut">
               <a:rPr lang="it-IT" smtClean="0"/>
-              <a:t>03/01/2022</a:t>
+              <a:t>04/01/2022</a:t>
             </a:fld>
             <a:endParaRPr lang="it-IT"/>
           </a:p>
@@ -1410,7 +1410,7 @@
           <a:p>
             <a:fld id="{374C3EA6-B953-48DB-9C6F-B17FC4A6EDA7}" type="datetimeFigureOut">
               <a:rPr lang="it-IT" smtClean="0"/>
-              <a:t>03/01/2022</a:t>
+              <a:t>04/01/2022</a:t>
             </a:fld>
             <a:endParaRPr lang="it-IT"/>
           </a:p>
@@ -1822,7 +1822,7 @@
           <a:p>
             <a:fld id="{374C3EA6-B953-48DB-9C6F-B17FC4A6EDA7}" type="datetimeFigureOut">
               <a:rPr lang="it-IT" smtClean="0"/>
-              <a:t>03/01/2022</a:t>
+              <a:t>04/01/2022</a:t>
             </a:fld>
             <a:endParaRPr lang="it-IT"/>
           </a:p>
@@ -1963,7 +1963,7 @@
           <a:p>
             <a:fld id="{374C3EA6-B953-48DB-9C6F-B17FC4A6EDA7}" type="datetimeFigureOut">
               <a:rPr lang="it-IT" smtClean="0"/>
-              <a:t>03/01/2022</a:t>
+              <a:t>04/01/2022</a:t>
             </a:fld>
             <a:endParaRPr lang="it-IT"/>
           </a:p>
@@ -2076,7 +2076,7 @@
           <a:p>
             <a:fld id="{374C3EA6-B953-48DB-9C6F-B17FC4A6EDA7}" type="datetimeFigureOut">
               <a:rPr lang="it-IT" smtClean="0"/>
-              <a:t>03/01/2022</a:t>
+              <a:t>04/01/2022</a:t>
             </a:fld>
             <a:endParaRPr lang="it-IT"/>
           </a:p>
@@ -2387,7 +2387,7 @@
           <a:p>
             <a:fld id="{374C3EA6-B953-48DB-9C6F-B17FC4A6EDA7}" type="datetimeFigureOut">
               <a:rPr lang="it-IT" smtClean="0"/>
-              <a:t>03/01/2022</a:t>
+              <a:t>04/01/2022</a:t>
             </a:fld>
             <a:endParaRPr lang="it-IT"/>
           </a:p>
@@ -2675,7 +2675,7 @@
           <a:p>
             <a:fld id="{374C3EA6-B953-48DB-9C6F-B17FC4A6EDA7}" type="datetimeFigureOut">
               <a:rPr lang="it-IT" smtClean="0"/>
-              <a:t>03/01/2022</a:t>
+              <a:t>04/01/2022</a:t>
             </a:fld>
             <a:endParaRPr lang="it-IT"/>
           </a:p>
@@ -2916,7 +2916,7 @@
           <a:p>
             <a:fld id="{374C3EA6-B953-48DB-9C6F-B17FC4A6EDA7}" type="datetimeFigureOut">
               <a:rPr lang="it-IT" smtClean="0"/>
-              <a:t>03/01/2022</a:t>
+              <a:t>04/01/2022</a:t>
             </a:fld>
             <a:endParaRPr lang="it-IT"/>
           </a:p>
@@ -3834,26 +3834,41 @@
           <a:p>
             <a:r>
               <a:rPr lang="it-IT" sz="1800" dirty="0"/>
-              <a:t>Inserimento, modifica e cancellazione di un nuovo utente</a:t>
-            </a:r>
-          </a:p>
-          <a:p>
+              <a:t>Inserimento, modifica e cancellazione di </a:t>
+            </a:r>
+            <a:r>
+              <a:rPr lang="it-IT" sz="1800" dirty="0" smtClean="0"/>
+              <a:t>un utente</a:t>
+            </a:r>
             <a:endParaRPr lang="it-IT" sz="1800" dirty="0"/>
           </a:p>
           <a:p>
+            <a:endParaRPr lang="it-IT" sz="1800" dirty="0"/>
+          </a:p>
+          <a:p>
             <a:r>
               <a:rPr lang="it-IT" sz="1800" dirty="0"/>
-              <a:t>Inserimento, modifica e cancellazione di un nuovo cliente</a:t>
-            </a:r>
-          </a:p>
-          <a:p>
+              <a:t>Inserimento, modifica e cancellazione di </a:t>
+            </a:r>
+            <a:r>
+              <a:rPr lang="it-IT" sz="1800" dirty="0" smtClean="0"/>
+              <a:t>un cliente</a:t>
+            </a:r>
             <a:endParaRPr lang="it-IT" sz="1800" dirty="0"/>
           </a:p>
           <a:p>
+            <a:endParaRPr lang="it-IT" sz="1800" dirty="0"/>
+          </a:p>
+          <a:p>
             <a:r>
               <a:rPr lang="it-IT" sz="1800" dirty="0"/>
-              <a:t>Inserimento, modifica e cancellazione di un nuovo progetto</a:t>
-            </a:r>
+              <a:t>Inserimento, modifica e cancellazione di un </a:t>
+            </a:r>
+            <a:r>
+              <a:rPr lang="it-IT" sz="1800" dirty="0" smtClean="0"/>
+              <a:t>progetto</a:t>
+            </a:r>
+            <a:endParaRPr lang="it-IT" sz="1800" dirty="0"/>
           </a:p>
           <a:p>
             <a:endParaRPr lang="it-IT" sz="1800" dirty="0"/>

--- a/tw.pptx
+++ b/tw.pptx
@@ -266,7 +266,7 @@
           <a:p>
             <a:fld id="{374C3EA6-B953-48DB-9C6F-B17FC4A6EDA7}" type="datetimeFigureOut">
               <a:rPr lang="it-IT" smtClean="0"/>
-              <a:t>04/01/2022</a:t>
+              <a:t>09/01/2022</a:t>
             </a:fld>
             <a:endParaRPr lang="it-IT"/>
           </a:p>
@@ -464,7 +464,7 @@
           <a:p>
             <a:fld id="{374C3EA6-B953-48DB-9C6F-B17FC4A6EDA7}" type="datetimeFigureOut">
               <a:rPr lang="it-IT" smtClean="0"/>
-              <a:t>04/01/2022</a:t>
+              <a:t>09/01/2022</a:t>
             </a:fld>
             <a:endParaRPr lang="it-IT"/>
           </a:p>
@@ -672,7 +672,7 @@
           <a:p>
             <a:fld id="{374C3EA6-B953-48DB-9C6F-B17FC4A6EDA7}" type="datetimeFigureOut">
               <a:rPr lang="it-IT" smtClean="0"/>
-              <a:t>04/01/2022</a:t>
+              <a:t>09/01/2022</a:t>
             </a:fld>
             <a:endParaRPr lang="it-IT"/>
           </a:p>
@@ -870,7 +870,7 @@
           <a:p>
             <a:fld id="{374C3EA6-B953-48DB-9C6F-B17FC4A6EDA7}" type="datetimeFigureOut">
               <a:rPr lang="it-IT" smtClean="0"/>
-              <a:t>04/01/2022</a:t>
+              <a:t>09/01/2022</a:t>
             </a:fld>
             <a:endParaRPr lang="it-IT"/>
           </a:p>
@@ -1145,7 +1145,7 @@
           <a:p>
             <a:fld id="{374C3EA6-B953-48DB-9C6F-B17FC4A6EDA7}" type="datetimeFigureOut">
               <a:rPr lang="it-IT" smtClean="0"/>
-              <a:t>04/01/2022</a:t>
+              <a:t>09/01/2022</a:t>
             </a:fld>
             <a:endParaRPr lang="it-IT"/>
           </a:p>
@@ -1410,7 +1410,7 @@
           <a:p>
             <a:fld id="{374C3EA6-B953-48DB-9C6F-B17FC4A6EDA7}" type="datetimeFigureOut">
               <a:rPr lang="it-IT" smtClean="0"/>
-              <a:t>04/01/2022</a:t>
+              <a:t>09/01/2022</a:t>
             </a:fld>
             <a:endParaRPr lang="it-IT"/>
           </a:p>
@@ -1822,7 +1822,7 @@
           <a:p>
             <a:fld id="{374C3EA6-B953-48DB-9C6F-B17FC4A6EDA7}" type="datetimeFigureOut">
               <a:rPr lang="it-IT" smtClean="0"/>
-              <a:t>04/01/2022</a:t>
+              <a:t>09/01/2022</a:t>
             </a:fld>
             <a:endParaRPr lang="it-IT"/>
           </a:p>
@@ -1963,7 +1963,7 @@
           <a:p>
             <a:fld id="{374C3EA6-B953-48DB-9C6F-B17FC4A6EDA7}" type="datetimeFigureOut">
               <a:rPr lang="it-IT" smtClean="0"/>
-              <a:t>04/01/2022</a:t>
+              <a:t>09/01/2022</a:t>
             </a:fld>
             <a:endParaRPr lang="it-IT"/>
           </a:p>
@@ -2076,7 +2076,7 @@
           <a:p>
             <a:fld id="{374C3EA6-B953-48DB-9C6F-B17FC4A6EDA7}" type="datetimeFigureOut">
               <a:rPr lang="it-IT" smtClean="0"/>
-              <a:t>04/01/2022</a:t>
+              <a:t>09/01/2022</a:t>
             </a:fld>
             <a:endParaRPr lang="it-IT"/>
           </a:p>
@@ -2387,7 +2387,7 @@
           <a:p>
             <a:fld id="{374C3EA6-B953-48DB-9C6F-B17FC4A6EDA7}" type="datetimeFigureOut">
               <a:rPr lang="it-IT" smtClean="0"/>
-              <a:t>04/01/2022</a:t>
+              <a:t>09/01/2022</a:t>
             </a:fld>
             <a:endParaRPr lang="it-IT"/>
           </a:p>
@@ -2675,7 +2675,7 @@
           <a:p>
             <a:fld id="{374C3EA6-B953-48DB-9C6F-B17FC4A6EDA7}" type="datetimeFigureOut">
               <a:rPr lang="it-IT" smtClean="0"/>
-              <a:t>04/01/2022</a:t>
+              <a:t>09/01/2022</a:t>
             </a:fld>
             <a:endParaRPr lang="it-IT"/>
           </a:p>
@@ -2916,7 +2916,7 @@
           <a:p>
             <a:fld id="{374C3EA6-B953-48DB-9C6F-B17FC4A6EDA7}" type="datetimeFigureOut">
               <a:rPr lang="it-IT" smtClean="0"/>
-              <a:t>04/01/2022</a:t>
+              <a:t>09/01/2022</a:t>
             </a:fld>
             <a:endParaRPr lang="it-IT"/>
           </a:p>
@@ -3377,13 +3377,13 @@
       </p:sp>
       <p:pic>
         <p:nvPicPr>
-          <p:cNvPr id="1026" name="Picture 2" descr="Artificial circuit intelligence icon vector design - 110208304"/>
+          <p:cNvPr id="1028" name="Picture 4" descr="https://us.123rf.com/450wm/putracetol/putracetol1805/putracetol180502600/101060779-c-lettera-digitale-tecnologia-logo-icon-design.jpg?ver=6"/>
           <p:cNvPicPr>
             <a:picLocks noChangeAspect="1" noChangeArrowheads="1"/>
           </p:cNvPicPr>
           <p:nvPr/>
         </p:nvPicPr>
-        <p:blipFill rotWithShape="1">
+        <p:blipFill>
           <a:blip r:embed="rId2">
             <a:extLst>
               <a:ext uri="{28A0092B-C50C-407E-A947-70E740481C1C}">
@@ -3391,13 +3391,15 @@
               </a:ext>
             </a:extLst>
           </a:blip>
-          <a:srcRect l="22010" t="22504" r="21825" b="24155"/>
-          <a:stretch/>
+          <a:srcRect/>
+          <a:stretch>
+            <a:fillRect/>
+          </a:stretch>
         </p:blipFill>
         <p:spPr bwMode="auto">
           <a:xfrm>
-            <a:off x="1403633" y="902752"/>
-            <a:ext cx="3244081" cy="3081004"/>
+            <a:off x="846039" y="1414203"/>
+            <a:ext cx="3597349" cy="2877880"/>
           </a:xfrm>
           <a:prstGeom prst="rect">
             <a:avLst/>
@@ -3424,6 +3426,13 @@
   <p:clrMapOvr>
     <a:masterClrMapping/>
   </p:clrMapOvr>
+  <p:timing>
+    <p:tnLst>
+      <p:par>
+        <p:cTn id="1" dur="indefinite" restart="never" nodeType="tmRoot"/>
+      </p:par>
+    </p:tnLst>
+  </p:timing>
 </p:sld>
 </file>
 
@@ -3604,6 +3613,13 @@
   <p:clrMapOvr>
     <a:masterClrMapping/>
   </p:clrMapOvr>
+  <p:timing>
+    <p:tnLst>
+      <p:par>
+        <p:cTn id="1" dur="indefinite" restart="never" nodeType="tmRoot"/>
+      </p:par>
+    </p:tnLst>
+  </p:timing>
 </p:sld>
 </file>
 
@@ -3642,7 +3658,7 @@
         </p:nvSpPr>
         <p:spPr>
           <a:xfrm>
-            <a:off x="1166004" y="353682"/>
+            <a:off x="971192" y="269707"/>
             <a:ext cx="9444487" cy="1095556"/>
           </a:xfrm>
         </p:spPr>
@@ -3678,7 +3694,7 @@
         </p:nvSpPr>
         <p:spPr>
           <a:xfrm>
-            <a:off x="1166004" y="1371601"/>
+            <a:off x="1166004" y="1166327"/>
             <a:ext cx="9556631" cy="2484407"/>
           </a:xfrm>
         </p:spPr>
@@ -3690,7 +3706,15 @@
           <a:p>
             <a:r>
               <a:rPr lang="it-IT" sz="1800" dirty="0"/>
-              <a:t>L’azienda in questione si occupa di progetti di natura informatica che vengono assegnati dai clienti </a:t>
+              <a:t>L’azienda in questione si occupa di progetti di natura informatica che </a:t>
+            </a:r>
+            <a:r>
+              <a:rPr lang="it-IT" sz="1800" dirty="0" smtClean="0"/>
+              <a:t>le vengono </a:t>
+            </a:r>
+            <a:r>
+              <a:rPr lang="it-IT" sz="1800" dirty="0"/>
+              <a:t>assegnati dai clienti </a:t>
             </a:r>
           </a:p>
           <a:p>
@@ -3740,8 +3764,8 @@
         </p:blipFill>
         <p:spPr>
           <a:xfrm>
-            <a:off x="3976779" y="3561478"/>
-            <a:ext cx="3433314" cy="2942840"/>
+            <a:off x="4489962" y="3794743"/>
+            <a:ext cx="3214571" cy="2755346"/>
           </a:xfrm>
           <a:prstGeom prst="rect">
             <a:avLst/>
@@ -3758,6 +3782,13 @@
   <p:clrMapOvr>
     <a:masterClrMapping/>
   </p:clrMapOvr>
+  <p:timing>
+    <p:tnLst>
+      <p:par>
+        <p:cTn id="1" dur="indefinite" restart="never" nodeType="tmRoot"/>
+      </p:par>
+    </p:tnLst>
+  </p:timing>
 </p:sld>
 </file>
 
@@ -4155,8 +4186,13 @@
           <a:p>
             <a:r>
               <a:rPr lang="it-IT" sz="1800" dirty="0"/>
-              <a:t>I link per accedere alle operazioni di inserimento, modifica e cancellazione sono rappresentati da semplici disegni stilizzati</a:t>
-            </a:r>
+              <a:t>I link per accedere alle operazioni di inserimento, modifica e cancellazione sono rappresentati da semplici </a:t>
+            </a:r>
+            <a:r>
+              <a:rPr lang="it-IT" sz="1800" dirty="0" smtClean="0"/>
+              <a:t>icone</a:t>
+            </a:r>
+            <a:endParaRPr lang="it-IT" sz="1800" dirty="0"/>
           </a:p>
         </p:txBody>
       </p:sp>
@@ -4236,7 +4272,12 @@
             <p:ph idx="1"/>
           </p:nvPr>
         </p:nvSpPr>
-        <p:spPr/>
+        <p:spPr>
+          <a:xfrm>
+            <a:off x="838200" y="1825625"/>
+            <a:ext cx="10515600" cy="3548808"/>
+          </a:xfrm>
+        </p:spPr>
         <p:txBody>
           <a:bodyPr>
             <a:normAutofit/>
@@ -4274,8 +4315,12 @@
           </a:p>
           <a:p>
             <a:r>
+              <a:rPr lang="it-IT" sz="1800" dirty="0" smtClean="0"/>
+              <a:t>Come linguaggi front-end </a:t>
+            </a:r>
+            <a:r>
               <a:rPr lang="it-IT" sz="1800" dirty="0"/>
-              <a:t>Per la parte front-end ho utilizzato HTML, CSS e JavaScript</a:t>
+              <a:t>ho utilizzato HTML, CSS e JavaScript</a:t>
             </a:r>
           </a:p>
           <a:p>
@@ -4288,20 +4333,9 @@
             </a:r>
           </a:p>
           <a:p>
-            <a:endParaRPr lang="it-IT" sz="1800" dirty="0"/>
-          </a:p>
-          <a:p>
-            <a:r>
-              <a:rPr lang="it-IT" sz="1800" dirty="0"/>
-              <a:t>La gestione e l’evoluzione del progetto è stata portata avanti con l’ausilio di </a:t>
-            </a:r>
-            <a:r>
-              <a:rPr lang="it-IT" sz="1800" dirty="0" err="1"/>
-              <a:t>Git</a:t>
-            </a:r>
-            <a:endParaRPr lang="it-IT" sz="1800" dirty="0"/>
-          </a:p>
-          <a:p>
+            <a:pPr marL="0" indent="0">
+              <a:buNone/>
+            </a:pPr>
             <a:endParaRPr lang="it-IT" sz="1800" dirty="0"/>
           </a:p>
           <a:p>
